--- a/iotschema-slides-20190321.pptx
+++ b/iotschema-slides-20190321.pptx
@@ -3307,7 +3307,19 @@
           <a:p>
             <a:r>
               <a:rPr lang="en-US" dirty="0" err="1" smtClean="0"/>
-              <a:t>iot.schema.org</a:t>
+              <a:t>IoT</a:t>
+            </a:r>
+            <a:r>
+              <a:rPr lang="en-US" dirty="0" smtClean="0"/>
+              <a:t> Extensions for </a:t>
+            </a:r>
+            <a:r>
+              <a:rPr lang="en-US" dirty="0" err="1" smtClean="0"/>
+              <a:t>schema.org</a:t>
+            </a:r>
+            <a:r>
+              <a:rPr lang="en-US" dirty="0" smtClean="0"/>
+              <a:t> </a:t>
             </a:r>
             <a:endParaRPr lang="en-US" dirty="0"/>
           </a:p>
@@ -3352,6 +3364,13 @@
   <p:clrMapOvr>
     <a:masterClrMapping/>
   </p:clrMapOvr>
+  <p:timing>
+    <p:tnLst>
+      <p:par>
+        <p:cTn id="1" dur="indefinite" restart="never" nodeType="tmRoot"/>
+      </p:par>
+    </p:tnLst>
+  </p:timing>
 </p:sld>
 </file>
 
@@ -6406,6 +6425,13 @@
   <p:clrMapOvr>
     <a:masterClrMapping/>
   </p:clrMapOvr>
+  <p:timing>
+    <p:tnLst>
+      <p:par>
+        <p:cTn id="1" dur="indefinite" restart="never" nodeType="tmRoot"/>
+      </p:par>
+    </p:tnLst>
+  </p:timing>
 </p:sld>
 </file>
 
@@ -6936,6 +6962,13 @@
   <p:clrMapOvr>
     <a:masterClrMapping/>
   </p:clrMapOvr>
+  <p:timing>
+    <p:tnLst>
+      <p:par>
+        <p:cTn id="1" dur="indefinite" restart="never" nodeType="tmRoot"/>
+      </p:par>
+    </p:tnLst>
+  </p:timing>
 </p:sld>
 </file>
 
@@ -7034,11 +7067,7 @@
             </a:r>
             <a:r>
               <a:rPr lang="en-US" dirty="0" smtClean="0"/>
-              <a:t> TD </a:t>
-            </a:r>
-            <a:r>
-              <a:rPr lang="en-US" dirty="0" smtClean="0"/>
-              <a:t>annotation</a:t>
+              <a:t> TD annotation</a:t>
             </a:r>
           </a:p>
           <a:p>
@@ -7089,6 +7118,13 @@
   <p:clrMapOvr>
     <a:masterClrMapping/>
   </p:clrMapOvr>
+  <p:timing>
+    <p:tnLst>
+      <p:par>
+        <p:cTn id="1" dur="indefinite" restart="never" nodeType="tmRoot"/>
+      </p:par>
+    </p:tnLst>
+  </p:timing>
 </p:sld>
 </file>
 
@@ -7319,6 +7355,13 @@
   <p:clrMapOvr>
     <a:masterClrMapping/>
   </p:clrMapOvr>
+  <p:timing>
+    <p:tnLst>
+      <p:par>
+        <p:cTn id="1" dur="indefinite" restart="never" nodeType="tmRoot"/>
+      </p:par>
+    </p:tnLst>
+  </p:timing>
 </p:sld>
 </file>
 
@@ -8076,6 +8119,13 @@
   <p:clrMapOvr>
     <a:masterClrMapping/>
   </p:clrMapOvr>
+  <p:timing>
+    <p:tnLst>
+      <p:par>
+        <p:cTn id="1" dur="indefinite" restart="never" nodeType="tmRoot"/>
+      </p:par>
+    </p:tnLst>
+  </p:timing>
 </p:sld>
 </file>
 
@@ -8873,6 +8923,13 @@
   <p:clrMapOvr>
     <a:masterClrMapping/>
   </p:clrMapOvr>
+  <p:timing>
+    <p:tnLst>
+      <p:par>
+        <p:cTn id="1" dur="indefinite" restart="never" nodeType="tmRoot"/>
+      </p:par>
+    </p:tnLst>
+  </p:timing>
 </p:sld>
 </file>
 
